--- a/SEA_BATTLE_PRESENTATION.pptx
+++ b/SEA_BATTLE_PRESENTATION.pptx
@@ -6,10 +6,11 @@
   </p:sldMasterIdLst>
   <p:sldIdLst>
     <p:sldId id="256" r:id="rId2"/>
-    <p:sldId id="257" r:id="rId3"/>
-    <p:sldId id="258" r:id="rId4"/>
-    <p:sldId id="259" r:id="rId5"/>
-    <p:sldId id="260" r:id="rId6"/>
+    <p:sldId id="261" r:id="rId3"/>
+    <p:sldId id="257" r:id="rId4"/>
+    <p:sldId id="258" r:id="rId5"/>
+    <p:sldId id="259" r:id="rId6"/>
+    <p:sldId id="260" r:id="rId7"/>
   </p:sldIdLst>
   <p:sldSz cx="12192000" cy="6858000"/>
   <p:notesSz cx="6858000" cy="9144000"/>
@@ -108,6 +109,11 @@
       </a:defRPr>
     </a:lvl9pPr>
   </p:defaultTextStyle>
+  <p:extLst>
+    <p:ext uri="{EFAFB233-063F-42B5-8137-9DF3F51BA10A}">
+      <p15:sldGuideLst xmlns:p15="http://schemas.microsoft.com/office/powerpoint/2012/main"/>
+    </p:ext>
+  </p:extLst>
 </p:presentation>
 </file>
 
@@ -1323,7 +1329,7 @@
             <a:fld id="{9334D819-9F07-4261-B09B-9E467E5D9002}" type="datetimeFigureOut">
               <a:rPr lang="en-US" dirty="0"/>
               <a:pPr/>
-              <a:t>10/27/2019</a:t>
+              <a:t>11/2/2019</a:t>
             </a:fld>
             <a:endParaRPr lang="en-US" dirty="0"/>
           </a:p>
@@ -1557,7 +1563,7 @@
           <a:p>
             <a:fld id="{9334D819-9F07-4261-B09B-9E467E5D9002}" type="datetimeFigureOut">
               <a:rPr lang="en-US" dirty="0"/>
-              <a:t>10/27/2019</a:t>
+              <a:t>11/2/2019</a:t>
             </a:fld>
             <a:endParaRPr lang="en-US" dirty="0"/>
           </a:p>
@@ -1732,7 +1738,7 @@
           <a:p>
             <a:fld id="{9334D819-9F07-4261-B09B-9E467E5D9002}" type="datetimeFigureOut">
               <a:rPr lang="en-US" dirty="0"/>
-              <a:t>10/27/2019</a:t>
+              <a:t>11/2/2019</a:t>
             </a:fld>
             <a:endParaRPr lang="en-US" dirty="0"/>
           </a:p>
@@ -1897,7 +1903,7 @@
           <a:p>
             <a:fld id="{9334D819-9F07-4261-B09B-9E467E5D9002}" type="datetimeFigureOut">
               <a:rPr lang="en-US" dirty="0"/>
-              <a:t>10/27/2019</a:t>
+              <a:t>11/2/2019</a:t>
             </a:fld>
             <a:endParaRPr lang="en-US" dirty="0"/>
           </a:p>
@@ -2166,7 +2172,7 @@
             <a:fld id="{9334D819-9F07-4261-B09B-9E467E5D9002}" type="datetimeFigureOut">
               <a:rPr lang="en-US" dirty="0"/>
               <a:pPr/>
-              <a:t>10/27/2019</a:t>
+              <a:t>11/2/2019</a:t>
             </a:fld>
             <a:endParaRPr lang="en-US" dirty="0"/>
           </a:p>
@@ -3363,7 +3369,7 @@
           <a:p>
             <a:fld id="{9334D819-9F07-4261-B09B-9E467E5D9002}" type="datetimeFigureOut">
               <a:rPr lang="en-US" dirty="0"/>
-              <a:t>10/27/2019</a:t>
+              <a:t>11/2/2019</a:t>
             </a:fld>
             <a:endParaRPr lang="en-US" dirty="0"/>
           </a:p>
@@ -3748,7 +3754,7 @@
           <a:p>
             <a:fld id="{9334D819-9F07-4261-B09B-9E467E5D9002}" type="datetimeFigureOut">
               <a:rPr lang="en-US" dirty="0"/>
-              <a:t>10/27/2019</a:t>
+              <a:t>11/2/2019</a:t>
             </a:fld>
             <a:endParaRPr lang="en-US" dirty="0"/>
           </a:p>
@@ -3866,7 +3872,7 @@
           <a:p>
             <a:fld id="{9334D819-9F07-4261-B09B-9E467E5D9002}" type="datetimeFigureOut">
               <a:rPr lang="en-US" dirty="0"/>
-              <a:t>10/27/2019</a:t>
+              <a:t>11/2/2019</a:t>
             </a:fld>
             <a:endParaRPr lang="en-US" dirty="0"/>
           </a:p>
@@ -3956,7 +3962,7 @@
           <a:p>
             <a:fld id="{9334D819-9F07-4261-B09B-9E467E5D9002}" type="datetimeFigureOut">
               <a:rPr lang="en-US" dirty="0"/>
-              <a:t>10/27/2019</a:t>
+              <a:t>11/2/2019</a:t>
             </a:fld>
             <a:endParaRPr lang="en-US" dirty="0"/>
           </a:p>
@@ -4714,7 +4720,7 @@
           <a:p>
             <a:fld id="{9334D819-9F07-4261-B09B-9E467E5D9002}" type="datetimeFigureOut">
               <a:rPr lang="en-US" dirty="0"/>
-              <a:t>10/27/2019</a:t>
+              <a:t>11/2/2019</a:t>
             </a:fld>
             <a:endParaRPr lang="en-US" dirty="0"/>
           </a:p>
@@ -5549,7 +5555,7 @@
           <a:p>
             <a:fld id="{9334D819-9F07-4261-B09B-9E467E5D9002}" type="datetimeFigureOut">
               <a:rPr lang="en-US" dirty="0"/>
-              <a:t>10/27/2019</a:t>
+              <a:t>11/2/2019</a:t>
             </a:fld>
             <a:endParaRPr lang="en-US" dirty="0"/>
           </a:p>
@@ -5772,7 +5778,7 @@
             <a:fld id="{9334D819-9F07-4261-B09B-9E467E5D9002}" type="datetimeFigureOut">
               <a:rPr lang="en-US" dirty="0"/>
               <a:pPr/>
-              <a:t>10/27/2019</a:t>
+              <a:t>11/2/2019</a:t>
             </a:fld>
             <a:endParaRPr lang="en-US" dirty="0"/>
           </a:p>
@@ -6881,7 +6887,7 @@
           <a:blip r:embed="rId2">
             <a:extLst>
               <a:ext uri="{96DAC541-7B7A-43D3-8B79-37D633B846F1}">
-                <asvg:svgBlip xmlns:asvg="http://schemas.microsoft.com/office/drawing/2016/SVG/main" r:embed="rId3"/>
+                <asvg:svgBlip xmlns:asvg="http://schemas.microsoft.com/office/drawing/2016/SVG/main" xmlns="" r:embed="rId3"/>
               </a:ext>
             </a:extLst>
           </a:blip>
@@ -6917,7 +6923,7 @@
           <a:blip r:embed="rId4">
             <a:extLst>
               <a:ext uri="{96DAC541-7B7A-43D3-8B79-37D633B846F1}">
-                <asvg:svgBlip xmlns:asvg="http://schemas.microsoft.com/office/drawing/2016/SVG/main" r:embed="rId5"/>
+                <asvg:svgBlip xmlns:asvg="http://schemas.microsoft.com/office/drawing/2016/SVG/main" xmlns="" r:embed="rId5"/>
               </a:ext>
             </a:extLst>
           </a:blip>
@@ -6945,6 +6951,13 @@
   <p:clrMapOvr>
     <a:masterClrMapping/>
   </p:clrMapOvr>
+  <p:timing>
+    <p:tnLst>
+      <p:par>
+        <p:cTn id="1" dur="indefinite" restart="never" nodeType="tmRoot"/>
+      </p:par>
+    </p:tnLst>
+  </p:timing>
 </p:sld>
 </file>
 
@@ -6967,6 +6980,122 @@
       </p:grpSpPr>
       <p:sp>
         <p:nvSpPr>
+          <p:cNvPr id="2" name="Заголовок 1"/>
+          <p:cNvSpPr>
+            <a:spLocks noGrp="1"/>
+          </p:cNvSpPr>
+          <p:nvPr>
+            <p:ph type="title"/>
+          </p:nvPr>
+        </p:nvSpPr>
+        <p:spPr>
+          <a:xfrm>
+            <a:off x="1303929" y="765562"/>
+            <a:ext cx="10178322" cy="1492132"/>
+          </a:xfrm>
+        </p:spPr>
+        <p:txBody>
+          <a:bodyPr>
+            <a:normAutofit fontScale="90000"/>
+          </a:bodyPr>
+          <a:lstStyle/>
+          <a:p>
+            <a:r>
+              <a:rPr lang="ru-RU" dirty="0" smtClean="0"/>
+              <a:t/>
+            </a:r>
+            <a:br>
+              <a:rPr lang="ru-RU" dirty="0" smtClean="0"/>
+            </a:br>
+            <a:r>
+              <a:rPr lang="ru-RU" dirty="0"/>
+              <a:t/>
+            </a:r>
+            <a:br>
+              <a:rPr lang="ru-RU" dirty="0"/>
+            </a:br>
+            <a:r>
+              <a:rPr lang="ru-RU" dirty="0" smtClean="0"/>
+              <a:t/>
+            </a:r>
+            <a:br>
+              <a:rPr lang="ru-RU" dirty="0" smtClean="0"/>
+            </a:br>
+            <a:r>
+              <a:rPr lang="ru-RU" sz="6000" dirty="0" smtClean="0"/>
+              <a:t>Морской бой очень помогает понять библиотеку </a:t>
+            </a:r>
+            <a:r>
+              <a:rPr lang="en-US" sz="6000" dirty="0" smtClean="0">
+                <a:solidFill>
+                  <a:srgbClr val="00B050"/>
+                </a:solidFill>
+              </a:rPr>
+              <a:t>py</a:t>
+            </a:r>
+            <a:r>
+              <a:rPr lang="en-US" sz="6000" dirty="0" smtClean="0">
+                <a:solidFill>
+                  <a:srgbClr val="0B082E"/>
+                </a:solidFill>
+              </a:rPr>
+              <a:t>qt</a:t>
+            </a:r>
+            <a:r>
+              <a:rPr lang="en-US" sz="6000" dirty="0" smtClean="0">
+                <a:solidFill>
+                  <a:srgbClr val="FF0000"/>
+                </a:solidFill>
+              </a:rPr>
+              <a:t>5</a:t>
+            </a:r>
+            <a:endParaRPr lang="ru-RU" sz="6000" dirty="0">
+              <a:solidFill>
+                <a:srgbClr val="FF0000"/>
+              </a:solidFill>
+            </a:endParaRPr>
+          </a:p>
+        </p:txBody>
+      </p:sp>
+    </p:spTree>
+    <p:extLst>
+      <p:ext uri="{BB962C8B-B14F-4D97-AF65-F5344CB8AC3E}">
+        <p14:creationId xmlns:p14="http://schemas.microsoft.com/office/powerpoint/2010/main" val="2361708524"/>
+      </p:ext>
+    </p:extLst>
+  </p:cSld>
+  <p:clrMapOvr>
+    <a:masterClrMapping/>
+  </p:clrMapOvr>
+  <p:timing>
+    <p:tnLst>
+      <p:par>
+        <p:cTn id="1" dur="indefinite" restart="never" nodeType="tmRoot"/>
+      </p:par>
+    </p:tnLst>
+  </p:timing>
+</p:sld>
+</file>
+
+<file path=ppt/slides/slide3.xml><?xml version="1.0" encoding="utf-8"?>
+<p:sld xmlns:a="http://schemas.openxmlformats.org/drawingml/2006/main" xmlns:r="http://schemas.openxmlformats.org/officeDocument/2006/relationships" xmlns:p="http://schemas.openxmlformats.org/presentationml/2006/main">
+  <p:cSld>
+    <p:spTree>
+      <p:nvGrpSpPr>
+        <p:cNvPr id="1" name=""/>
+        <p:cNvGrpSpPr/>
+        <p:nvPr/>
+      </p:nvGrpSpPr>
+      <p:grpSpPr>
+        <a:xfrm>
+          <a:off x="0" y="0"/>
+          <a:ext cx="0" cy="0"/>
+          <a:chOff x="0" y="0"/>
+          <a:chExt cx="0" cy="0"/>
+        </a:xfrm>
+      </p:grpSpPr>
+      <p:sp>
+        <p:nvSpPr>
           <p:cNvPr id="2" name="Заголовок 1">
             <a:extLst>
               <a:ext uri="{FF2B5EF4-FFF2-40B4-BE49-F238E27FC236}">
@@ -7023,7 +7152,15 @@
           <a:p>
             <a:r>
               <a:rPr lang="ru-RU" dirty="0"/>
-              <a:t>Задача: написать программу используя изученную библиотеку </a:t>
+              <a:t>Задача: написать </a:t>
+            </a:r>
+            <a:r>
+              <a:rPr lang="ru-RU" dirty="0" smtClean="0"/>
+              <a:t>программу, </a:t>
+            </a:r>
+            <a:r>
+              <a:rPr lang="ru-RU" dirty="0"/>
+              <a:t>используя изученную библиотеку </a:t>
             </a:r>
             <a:r>
               <a:rPr lang="en-US" dirty="0"/>
@@ -7043,10 +7180,17 @@
   <p:clrMapOvr>
     <a:masterClrMapping/>
   </p:clrMapOvr>
+  <p:timing>
+    <p:tnLst>
+      <p:par>
+        <p:cTn id="1" dur="indefinite" restart="never" nodeType="tmRoot"/>
+      </p:par>
+    </p:tnLst>
+  </p:timing>
 </p:sld>
 </file>
 
-<file path=ppt/slides/slide3.xml><?xml version="1.0" encoding="utf-8"?>
+<file path=ppt/slides/slide4.xml><?xml version="1.0" encoding="utf-8"?>
 <p:sld xmlns:a="http://schemas.openxmlformats.org/drawingml/2006/main" xmlns:r="http://schemas.openxmlformats.org/officeDocument/2006/relationships" xmlns:p="http://schemas.openxmlformats.org/presentationml/2006/main">
   <p:cSld>
     <p:spTree>
@@ -7115,7 +7259,7 @@
         </p:blipFill>
         <p:spPr>
           <a:xfrm>
-            <a:off x="1251678" y="2645086"/>
+            <a:off x="1251678" y="3524651"/>
             <a:ext cx="2508069" cy="1567828"/>
           </a:xfrm>
           <a:prstGeom prst="rect">
@@ -7145,7 +7289,7 @@
         </p:blipFill>
         <p:spPr>
           <a:xfrm>
-            <a:off x="3980316" y="4742316"/>
+            <a:off x="3362008" y="1875687"/>
             <a:ext cx="4231367" cy="2115684"/>
           </a:xfrm>
           <a:prstGeom prst="rect">
@@ -7175,7 +7319,7 @@
         </p:blipFill>
         <p:spPr>
           <a:xfrm>
-            <a:off x="6612982" y="1874517"/>
+            <a:off x="6769736" y="4151954"/>
             <a:ext cx="4817018" cy="2116854"/>
           </a:xfrm>
           <a:prstGeom prst="rect">
@@ -7193,10 +7337,17 @@
   <p:clrMapOvr>
     <a:masterClrMapping/>
   </p:clrMapOvr>
+  <p:timing>
+    <p:tnLst>
+      <p:par>
+        <p:cTn id="1" dur="indefinite" restart="never" nodeType="tmRoot"/>
+      </p:par>
+    </p:tnLst>
+  </p:timing>
 </p:sld>
 </file>
 
-<file path=ppt/slides/slide4.xml><?xml version="1.0" encoding="utf-8"?>
+<file path=ppt/slides/slide5.xml><?xml version="1.0" encoding="utf-8"?>
 <p:sld xmlns:a="http://schemas.openxmlformats.org/drawingml/2006/main" xmlns:r="http://schemas.openxmlformats.org/officeDocument/2006/relationships" xmlns:p="http://schemas.openxmlformats.org/presentationml/2006/main">
   <p:cSld>
     <p:spTree>
@@ -7336,10 +7487,17 @@
   <p:clrMapOvr>
     <a:masterClrMapping/>
   </p:clrMapOvr>
+  <p:timing>
+    <p:tnLst>
+      <p:par>
+        <p:cTn id="1" dur="indefinite" restart="never" nodeType="tmRoot"/>
+      </p:par>
+    </p:tnLst>
+  </p:timing>
 </p:sld>
 </file>
 
-<file path=ppt/slides/slide5.xml><?xml version="1.0" encoding="utf-8"?>
+<file path=ppt/slides/slide6.xml><?xml version="1.0" encoding="utf-8"?>
 <p:sld xmlns:a="http://schemas.openxmlformats.org/drawingml/2006/main" xmlns:r="http://schemas.openxmlformats.org/officeDocument/2006/relationships" xmlns:p="http://schemas.openxmlformats.org/presentationml/2006/main">
   <p:cSld>
     <p:spTree>
@@ -7408,8 +7566,12 @@
           <a:lstStyle/>
           <a:p>
             <a:r>
+              <a:rPr lang="ru-RU" dirty="0" smtClean="0"/>
+              <a:t>Возможность </a:t>
+            </a:r>
+            <a:r>
               <a:rPr lang="ru-RU" dirty="0"/>
-              <a:t>Возможность перетаскивания изображений</a:t>
+              <a:t>перетаскивания изображений</a:t>
             </a:r>
             <a:r>
               <a:rPr lang="en-US" dirty="0"/>
@@ -7472,8 +7634,34 @@
           <a:p>
             <a:r>
               <a:rPr lang="ru-RU" dirty="0"/>
-              <a:t>Добавить русский язык</a:t>
-            </a:r>
+              <a:t>Добавить </a:t>
+            </a:r>
+            <a:r>
+              <a:rPr lang="ru-RU" dirty="0" smtClean="0"/>
+              <a:t>другие языки</a:t>
+            </a:r>
+          </a:p>
+          <a:p>
+            <a:r>
+              <a:rPr lang="ru-RU" dirty="0" smtClean="0"/>
+              <a:t>Добавить режим против компьютера</a:t>
+            </a:r>
+          </a:p>
+          <a:p>
+            <a:r>
+              <a:rPr lang="ru-RU" dirty="0" err="1" smtClean="0"/>
+              <a:t>Пофиксить</a:t>
+            </a:r>
+            <a:r>
+              <a:rPr lang="ru-RU" dirty="0" smtClean="0"/>
+              <a:t> и оптимизировать программу до конца</a:t>
+            </a:r>
+          </a:p>
+          <a:p>
+            <a:endParaRPr lang="ru-RU" dirty="0" smtClean="0"/>
+          </a:p>
+          <a:p>
+            <a:endParaRPr lang="ru-RU" dirty="0"/>
           </a:p>
         </p:txBody>
       </p:sp>
@@ -7487,6 +7675,13 @@
   <p:clrMapOvr>
     <a:masterClrMapping/>
   </p:clrMapOvr>
+  <p:timing>
+    <p:tnLst>
+      <p:par>
+        <p:cTn id="1" dur="indefinite" restart="never" nodeType="tmRoot"/>
+      </p:par>
+    </p:tnLst>
+  </p:timing>
 </p:sld>
 </file>
 

--- a/SEA_BATTLE_PRESENTATION.pptx
+++ b/SEA_BATTLE_PRESENTATION.pptx
@@ -11,6 +11,7 @@
     <p:sldId id="258" r:id="rId5"/>
     <p:sldId id="259" r:id="rId6"/>
     <p:sldId id="260" r:id="rId7"/>
+    <p:sldId id="262" r:id="rId8"/>
   </p:sldIdLst>
   <p:sldSz cx="12192000" cy="6858000"/>
   <p:notesSz cx="6858000" cy="9144000"/>
@@ -1329,7 +1330,7 @@
             <a:fld id="{9334D819-9F07-4261-B09B-9E467E5D9002}" type="datetimeFigureOut">
               <a:rPr lang="en-US" dirty="0"/>
               <a:pPr/>
-              <a:t>11/2/2019</a:t>
+              <a:t>11/4/2019</a:t>
             </a:fld>
             <a:endParaRPr lang="en-US" dirty="0"/>
           </a:p>
@@ -1563,7 +1564,7 @@
           <a:p>
             <a:fld id="{9334D819-9F07-4261-B09B-9E467E5D9002}" type="datetimeFigureOut">
               <a:rPr lang="en-US" dirty="0"/>
-              <a:t>11/2/2019</a:t>
+              <a:t>11/4/2019</a:t>
             </a:fld>
             <a:endParaRPr lang="en-US" dirty="0"/>
           </a:p>
@@ -1738,7 +1739,7 @@
           <a:p>
             <a:fld id="{9334D819-9F07-4261-B09B-9E467E5D9002}" type="datetimeFigureOut">
               <a:rPr lang="en-US" dirty="0"/>
-              <a:t>11/2/2019</a:t>
+              <a:t>11/4/2019</a:t>
             </a:fld>
             <a:endParaRPr lang="en-US" dirty="0"/>
           </a:p>
@@ -1903,7 +1904,7 @@
           <a:p>
             <a:fld id="{9334D819-9F07-4261-B09B-9E467E5D9002}" type="datetimeFigureOut">
               <a:rPr lang="en-US" dirty="0"/>
-              <a:t>11/2/2019</a:t>
+              <a:t>11/4/2019</a:t>
             </a:fld>
             <a:endParaRPr lang="en-US" dirty="0"/>
           </a:p>
@@ -2172,7 +2173,7 @@
             <a:fld id="{9334D819-9F07-4261-B09B-9E467E5D9002}" type="datetimeFigureOut">
               <a:rPr lang="en-US" dirty="0"/>
               <a:pPr/>
-              <a:t>11/2/2019</a:t>
+              <a:t>11/4/2019</a:t>
             </a:fld>
             <a:endParaRPr lang="en-US" dirty="0"/>
           </a:p>
@@ -3369,7 +3370,7 @@
           <a:p>
             <a:fld id="{9334D819-9F07-4261-B09B-9E467E5D9002}" type="datetimeFigureOut">
               <a:rPr lang="en-US" dirty="0"/>
-              <a:t>11/2/2019</a:t>
+              <a:t>11/4/2019</a:t>
             </a:fld>
             <a:endParaRPr lang="en-US" dirty="0"/>
           </a:p>
@@ -3754,7 +3755,7 @@
           <a:p>
             <a:fld id="{9334D819-9F07-4261-B09B-9E467E5D9002}" type="datetimeFigureOut">
               <a:rPr lang="en-US" dirty="0"/>
-              <a:t>11/2/2019</a:t>
+              <a:t>11/4/2019</a:t>
             </a:fld>
             <a:endParaRPr lang="en-US" dirty="0"/>
           </a:p>
@@ -3872,7 +3873,7 @@
           <a:p>
             <a:fld id="{9334D819-9F07-4261-B09B-9E467E5D9002}" type="datetimeFigureOut">
               <a:rPr lang="en-US" dirty="0"/>
-              <a:t>11/2/2019</a:t>
+              <a:t>11/4/2019</a:t>
             </a:fld>
             <a:endParaRPr lang="en-US" dirty="0"/>
           </a:p>
@@ -3962,7 +3963,7 @@
           <a:p>
             <a:fld id="{9334D819-9F07-4261-B09B-9E467E5D9002}" type="datetimeFigureOut">
               <a:rPr lang="en-US" dirty="0"/>
-              <a:t>11/2/2019</a:t>
+              <a:t>11/4/2019</a:t>
             </a:fld>
             <a:endParaRPr lang="en-US" dirty="0"/>
           </a:p>
@@ -4720,7 +4721,7 @@
           <a:p>
             <a:fld id="{9334D819-9F07-4261-B09B-9E467E5D9002}" type="datetimeFigureOut">
               <a:rPr lang="en-US" dirty="0"/>
-              <a:t>11/2/2019</a:t>
+              <a:t>11/4/2019</a:t>
             </a:fld>
             <a:endParaRPr lang="en-US" dirty="0"/>
           </a:p>
@@ -5555,7 +5556,7 @@
           <a:p>
             <a:fld id="{9334D819-9F07-4261-B09B-9E467E5D9002}" type="datetimeFigureOut">
               <a:rPr lang="en-US" dirty="0"/>
-              <a:t>11/2/2019</a:t>
+              <a:t>11/4/2019</a:t>
             </a:fld>
             <a:endParaRPr lang="en-US" dirty="0"/>
           </a:p>
@@ -5778,7 +5779,7 @@
             <a:fld id="{9334D819-9F07-4261-B09B-9E467E5D9002}" type="datetimeFigureOut">
               <a:rPr lang="en-US" dirty="0"/>
               <a:pPr/>
-              <a:t>11/2/2019</a:t>
+              <a:t>11/4/2019</a:t>
             </a:fld>
             <a:endParaRPr lang="en-US" dirty="0"/>
           </a:p>
@@ -6887,7 +6888,7 @@
           <a:blip r:embed="rId2">
             <a:extLst>
               <a:ext uri="{96DAC541-7B7A-43D3-8B79-37D633B846F1}">
-                <asvg:svgBlip xmlns:asvg="http://schemas.microsoft.com/office/drawing/2016/SVG/main" xmlns="" r:embed="rId3"/>
+                <asvg:svgBlip xmlns="" xmlns:asvg="http://schemas.microsoft.com/office/drawing/2016/SVG/main" r:embed="rId3"/>
               </a:ext>
             </a:extLst>
           </a:blip>
@@ -6923,7 +6924,7 @@
           <a:blip r:embed="rId4">
             <a:extLst>
               <a:ext uri="{96DAC541-7B7A-43D3-8B79-37D633B846F1}">
-                <asvg:svgBlip xmlns:asvg="http://schemas.microsoft.com/office/drawing/2016/SVG/main" xmlns="" r:embed="rId5"/>
+                <asvg:svgBlip xmlns="" xmlns:asvg="http://schemas.microsoft.com/office/drawing/2016/SVG/main" r:embed="rId5"/>
               </a:ext>
             </a:extLst>
           </a:blip>
@@ -7023,7 +7024,11 @@
             </a:br>
             <a:r>
               <a:rPr lang="ru-RU" sz="6000" dirty="0" smtClean="0"/>
-              <a:t>Морской бой очень помогает понять библиотеку </a:t>
+              <a:t>Морской бой очень </a:t>
+            </a:r>
+            <a:r>
+              <a:rPr lang="ru-RU" sz="6000" dirty="0" smtClean="0"/>
+              <a:t>подходит для совмещения библиотеки </a:t>
             </a:r>
             <a:r>
               <a:rPr lang="en-US" sz="6000" dirty="0" smtClean="0">
@@ -7049,9 +7054,41 @@
               </a:rPr>
               <a:t>5</a:t>
             </a:r>
+            <a:r>
+              <a:rPr lang="ru-RU" sz="6000" dirty="0" smtClean="0">
+                <a:solidFill>
+                  <a:srgbClr val="FF0000"/>
+                </a:solidFill>
+              </a:rPr>
+              <a:t> </a:t>
+            </a:r>
+            <a:r>
+              <a:rPr lang="ru-RU" sz="6000" dirty="0" smtClean="0">
+                <a:solidFill>
+                  <a:srgbClr val="0B082E"/>
+                </a:solidFill>
+              </a:rPr>
+              <a:t>и</a:t>
+            </a:r>
+            <a:r>
+              <a:rPr lang="ru-RU" sz="6000" dirty="0" smtClean="0">
+                <a:solidFill>
+                  <a:srgbClr val="FF0000"/>
+                </a:solidFill>
+              </a:rPr>
+              <a:t> </a:t>
+            </a:r>
+            <a:r>
+              <a:rPr lang="ru-RU" sz="6000" dirty="0" err="1" smtClean="0">
+                <a:solidFill>
+                  <a:srgbClr val="FFCC00"/>
+                </a:solidFill>
+              </a:rPr>
+              <a:t>алгоритмики</a:t>
+            </a:r>
             <a:endParaRPr lang="ru-RU" sz="6000" dirty="0">
               <a:solidFill>
-                <a:srgbClr val="FF0000"/>
+                <a:srgbClr val="FFCC00"/>
               </a:solidFill>
             </a:endParaRPr>
           </a:p>
@@ -7259,7 +7296,7 @@
         </p:blipFill>
         <p:spPr>
           <a:xfrm>
-            <a:off x="1251678" y="3524651"/>
+            <a:off x="7521849" y="2229321"/>
             <a:ext cx="2508069" cy="1567828"/>
           </a:xfrm>
           <a:prstGeom prst="rect">
@@ -7289,7 +7326,7 @@
         </p:blipFill>
         <p:spPr>
           <a:xfrm>
-            <a:off x="3362008" y="1875687"/>
+            <a:off x="583973" y="1955393"/>
             <a:ext cx="4231367" cy="2115684"/>
           </a:xfrm>
           <a:prstGeom prst="rect">
@@ -7319,7 +7356,7 @@
         </p:blipFill>
         <p:spPr>
           <a:xfrm>
-            <a:off x="6769736" y="4151954"/>
+            <a:off x="3538856" y="4239040"/>
             <a:ext cx="4817018" cy="2116854"/>
           </a:xfrm>
           <a:prstGeom prst="rect">
@@ -7380,52 +7417,32 @@
             <p:ph type="title"/>
           </p:nvPr>
         </p:nvSpPr>
-        <p:spPr/>
+        <p:spPr>
+          <a:xfrm>
+            <a:off x="8337882" y="1315391"/>
+            <a:ext cx="3092117" cy="1196670"/>
+          </a:xfrm>
+        </p:spPr>
         <p:txBody>
-          <a:bodyPr/>
+          <a:bodyPr>
+            <a:noAutofit/>
+          </a:bodyPr>
           <a:lstStyle/>
           <a:p>
             <a:r>
-              <a:rPr lang="ru-RU" dirty="0"/>
-              <a:t>Интерфейс моей программы</a:t>
-            </a:r>
-          </a:p>
-        </p:txBody>
-      </p:sp>
-      <p:sp>
-        <p:nvSpPr>
-          <p:cNvPr id="4" name="Текст 3">
-            <a:extLst>
-              <a:ext uri="{FF2B5EF4-FFF2-40B4-BE49-F238E27FC236}">
-                <a16:creationId xmlns:a16="http://schemas.microsoft.com/office/drawing/2014/main" id="{27367FB8-08BA-437B-A206-6D91A792E7C2}"/>
-              </a:ext>
-            </a:extLst>
-          </p:cNvPr>
-          <p:cNvSpPr>
-            <a:spLocks noGrp="1"/>
-          </p:cNvSpPr>
-          <p:nvPr>
-            <p:ph type="body" sz="half" idx="2"/>
-          </p:nvPr>
-        </p:nvSpPr>
-        <p:spPr/>
-        <p:txBody>
-          <a:bodyPr/>
-          <a:lstStyle/>
-          <a:p>
-            <a:endParaRPr lang="ru-RU" dirty="0"/>
+              <a:rPr lang="ru-RU" sz="2400" dirty="0" smtClean="0"/>
+              <a:t>Графический Интерфейс </a:t>
+            </a:r>
+            <a:r>
+              <a:rPr lang="ru-RU" sz="2400" dirty="0"/>
+              <a:t>моей программы</a:t>
+            </a:r>
           </a:p>
         </p:txBody>
       </p:sp>
       <p:pic>
         <p:nvPicPr>
-          <p:cNvPr id="10" name="Рисунок 9">
-            <a:extLst>
-              <a:ext uri="{FF2B5EF4-FFF2-40B4-BE49-F238E27FC236}">
-                <a16:creationId xmlns:a16="http://schemas.microsoft.com/office/drawing/2014/main" id="{C67D35D4-AF03-469E-8ED6-66E4215B5680}"/>
-              </a:ext>
-            </a:extLst>
-          </p:cNvPr>
+          <p:cNvPr id="2" name="Рисунок 1"/>
           <p:cNvPicPr>
             <a:picLocks noChangeAspect="1"/>
           </p:cNvPicPr>
@@ -7439,8 +7456,8 @@
         </p:blipFill>
         <p:spPr>
           <a:xfrm>
-            <a:off x="364402" y="70568"/>
-            <a:ext cx="6094649" cy="3665668"/>
+            <a:off x="174299" y="195944"/>
+            <a:ext cx="7080477" cy="3713934"/>
           </a:xfrm>
           <a:prstGeom prst="rect">
             <a:avLst/>
@@ -7449,13 +7466,7 @@
       </p:pic>
       <p:pic>
         <p:nvPicPr>
-          <p:cNvPr id="12" name="Рисунок 11">
-            <a:extLst>
-              <a:ext uri="{FF2B5EF4-FFF2-40B4-BE49-F238E27FC236}">
-                <a16:creationId xmlns:a16="http://schemas.microsoft.com/office/drawing/2014/main" id="{CBC206CB-F4C9-4C5F-88F5-6A07AC518FCC}"/>
-              </a:ext>
-            </a:extLst>
-          </p:cNvPr>
+          <p:cNvPr id="5" name="Рисунок 4"/>
           <p:cNvPicPr>
             <a:picLocks noChangeAspect="1"/>
           </p:cNvPicPr>
@@ -7469,8 +7480,32 @@
         </p:blipFill>
         <p:spPr>
           <a:xfrm>
-            <a:off x="6459051" y="3429000"/>
-            <a:ext cx="5451960" cy="3297327"/>
+            <a:off x="5268687" y="3631507"/>
+            <a:ext cx="5992721" cy="3137774"/>
+          </a:xfrm>
+          <a:prstGeom prst="rect">
+            <a:avLst/>
+          </a:prstGeom>
+        </p:spPr>
+      </p:pic>
+      <p:pic>
+        <p:nvPicPr>
+          <p:cNvPr id="6" name="Рисунок 5"/>
+          <p:cNvPicPr>
+            <a:picLocks noChangeAspect="1"/>
+          </p:cNvPicPr>
+          <p:nvPr/>
+        </p:nvPicPr>
+        <p:blipFill>
+          <a:blip r:embed="rId4"/>
+          <a:stretch>
+            <a:fillRect/>
+          </a:stretch>
+        </p:blipFill>
+        <p:spPr>
+          <a:xfrm>
+            <a:off x="589869" y="4176124"/>
+            <a:ext cx="4025675" cy="2326911"/>
           </a:xfrm>
           <a:prstGeom prst="rect">
             <a:avLst/>
@@ -7562,7 +7597,9 @@
         </p:nvSpPr>
         <p:spPr/>
         <p:txBody>
-          <a:bodyPr/>
+          <a:bodyPr>
+            <a:normAutofit lnSpcReduction="10000"/>
+          </a:bodyPr>
           <a:lstStyle/>
           <a:p>
             <a:r>
@@ -7654,8 +7691,47 @@
             </a:r>
             <a:r>
               <a:rPr lang="ru-RU" dirty="0" smtClean="0"/>
-              <a:t> и оптимизировать программу до конца</a:t>
-            </a:r>
+              <a:t> и оптимизировать программу до </a:t>
+            </a:r>
+            <a:r>
+              <a:rPr lang="ru-RU" dirty="0" smtClean="0"/>
+              <a:t>конца</a:t>
+            </a:r>
+          </a:p>
+          <a:p>
+            <a:r>
+              <a:rPr lang="ru-RU" dirty="0"/>
+              <a:t>Классы </a:t>
+            </a:r>
+            <a:r>
+              <a:rPr lang="ru-RU" dirty="0" smtClean="0"/>
+              <a:t>поставить в </a:t>
+            </a:r>
+            <a:r>
+              <a:rPr lang="en-US" dirty="0" err="1" smtClean="0"/>
+              <a:t>CamelCase</a:t>
+            </a:r>
+            <a:r>
+              <a:rPr lang="ru-RU" dirty="0" smtClean="0"/>
+              <a:t>,</a:t>
+            </a:r>
+            <a:r>
+              <a:rPr lang="en-US" dirty="0" smtClean="0"/>
+              <a:t> </a:t>
+            </a:r>
+            <a:r>
+              <a:rPr lang="ru-RU" dirty="0"/>
+              <a:t>а </a:t>
+            </a:r>
+            <a:r>
+              <a:rPr lang="ru-RU" dirty="0" smtClean="0"/>
+              <a:t>методы в </a:t>
+            </a:r>
+            <a:r>
+              <a:rPr lang="en-US" dirty="0" err="1"/>
+              <a:t>snake_case</a:t>
+            </a:r>
+            <a:endParaRPr lang="ru-RU" dirty="0" smtClean="0"/>
           </a:p>
           <a:p>
             <a:endParaRPr lang="ru-RU" dirty="0" smtClean="0"/>
@@ -7682,6 +7758,501 @@
       </p:par>
     </p:tnLst>
   </p:timing>
+</p:sld>
+</file>
+
+<file path=ppt/slides/slide7.xml><?xml version="1.0" encoding="utf-8"?>
+<p:sld xmlns:a="http://schemas.openxmlformats.org/drawingml/2006/main" xmlns:r="http://schemas.openxmlformats.org/officeDocument/2006/relationships" xmlns:p="http://schemas.openxmlformats.org/presentationml/2006/main">
+  <p:cSld>
+    <p:spTree>
+      <p:nvGrpSpPr>
+        <p:cNvPr id="1" name=""/>
+        <p:cNvGrpSpPr/>
+        <p:nvPr/>
+      </p:nvGrpSpPr>
+      <p:grpSpPr>
+        <a:xfrm>
+          <a:off x="0" y="0"/>
+          <a:ext cx="0" cy="0"/>
+          <a:chOff x="0" y="0"/>
+          <a:chExt cx="0" cy="0"/>
+        </a:xfrm>
+      </p:grpSpPr>
+      <p:pic>
+        <p:nvPicPr>
+          <p:cNvPr id="2" name="Рисунок 1"/>
+          <p:cNvPicPr>
+            <a:picLocks noChangeAspect="1"/>
+          </p:cNvPicPr>
+          <p:nvPr/>
+        </p:nvPicPr>
+        <p:blipFill>
+          <a:blip r:embed="rId2">
+            <a:extLst>
+              <a:ext uri="{28A0092B-C50C-407E-A947-70E740481C1C}">
+                <a14:useLocalDpi xmlns:a14="http://schemas.microsoft.com/office/drawing/2010/main" val="0"/>
+              </a:ext>
+            </a:extLst>
+          </a:blip>
+          <a:stretch>
+            <a:fillRect/>
+          </a:stretch>
+        </p:blipFill>
+        <p:spPr>
+          <a:xfrm>
+            <a:off x="1268731" y="1832429"/>
+            <a:ext cx="2893966" cy="3858622"/>
+          </a:xfrm>
+          <a:prstGeom prst="roundRect">
+            <a:avLst>
+              <a:gd name="adj" fmla="val 8594"/>
+            </a:avLst>
+          </a:prstGeom>
+          <a:solidFill>
+            <a:srgbClr val="FFFFFF">
+              <a:shade val="85000"/>
+            </a:srgbClr>
+          </a:solidFill>
+          <a:ln>
+            <a:noFill/>
+          </a:ln>
+          <a:effectLst>
+            <a:reflection blurRad="12700" stA="38000" endPos="28000" dist="5000" dir="5400000" sy="-100000" algn="bl" rotWithShape="0"/>
+          </a:effectLst>
+        </p:spPr>
+      </p:pic>
+      <p:sp>
+        <p:nvSpPr>
+          <p:cNvPr id="3" name="Заголовок 1">
+            <a:extLst>
+              <a:ext uri="{FF2B5EF4-FFF2-40B4-BE49-F238E27FC236}">
+                <a16:creationId xmlns:a16="http://schemas.microsoft.com/office/drawing/2014/main" id="{D91C75FF-F9EE-4521-9333-871B7BE9C211}"/>
+              </a:ext>
+            </a:extLst>
+          </p:cNvPr>
+          <p:cNvSpPr txBox="1">
+            <a:spLocks/>
+          </p:cNvSpPr>
+          <p:nvPr/>
+        </p:nvSpPr>
+        <p:spPr>
+          <a:xfrm>
+            <a:off x="2990306" y="410411"/>
+            <a:ext cx="6963591" cy="808788"/>
+          </a:xfrm>
+          <a:prstGeom prst="rect">
+            <a:avLst/>
+          </a:prstGeom>
+        </p:spPr>
+        <p:txBody>
+          <a:bodyPr/>
+          <a:lstStyle>
+            <a:lvl1pPr algn="l" defTabSz="914400" rtl="0" eaLnBrk="1" latinLnBrk="0" hangingPunct="1">
+              <a:lnSpc>
+                <a:spcPct val="90000"/>
+              </a:lnSpc>
+              <a:spcBef>
+                <a:spcPct val="0"/>
+              </a:spcBef>
+              <a:buNone/>
+              <a:defRPr sz="5100" kern="1200" cap="all" spc="200" baseline="0">
+                <a:solidFill>
+                  <a:schemeClr val="tx2"/>
+                </a:solidFill>
+                <a:latin typeface="+mj-lt"/>
+                <a:ea typeface="+mj-ea"/>
+                <a:cs typeface="+mj-cs"/>
+              </a:defRPr>
+            </a:lvl1pPr>
+          </a:lstStyle>
+          <a:p>
+            <a:r>
+              <a:rPr lang="ru-RU" cap="none" dirty="0" smtClean="0"/>
+              <a:t>Спасибо за внимание</a:t>
+            </a:r>
+            <a:endParaRPr lang="ru-RU" cap="none" dirty="0"/>
+          </a:p>
+        </p:txBody>
+      </p:sp>
+      <p:sp>
+        <p:nvSpPr>
+          <p:cNvPr id="4" name="Заголовок 1">
+            <a:extLst>
+              <a:ext uri="{FF2B5EF4-FFF2-40B4-BE49-F238E27FC236}">
+                <a16:creationId xmlns:a16="http://schemas.microsoft.com/office/drawing/2014/main" id="{D91C75FF-F9EE-4521-9333-871B7BE9C211}"/>
+              </a:ext>
+            </a:extLst>
+          </p:cNvPr>
+          <p:cNvSpPr txBox="1">
+            <a:spLocks/>
+          </p:cNvSpPr>
+          <p:nvPr/>
+        </p:nvSpPr>
+        <p:spPr>
+          <a:xfrm>
+            <a:off x="4284617" y="1832428"/>
+            <a:ext cx="7112324" cy="3660947"/>
+          </a:xfrm>
+          <a:prstGeom prst="rect">
+            <a:avLst/>
+          </a:prstGeom>
+        </p:spPr>
+        <p:txBody>
+          <a:bodyPr/>
+          <a:lstStyle>
+            <a:lvl1pPr algn="l" defTabSz="914400" rtl="0" eaLnBrk="1" latinLnBrk="0" hangingPunct="1">
+              <a:lnSpc>
+                <a:spcPct val="90000"/>
+              </a:lnSpc>
+              <a:spcBef>
+                <a:spcPct val="0"/>
+              </a:spcBef>
+              <a:buNone/>
+              <a:defRPr sz="5100" kern="1200" cap="all" spc="200" baseline="0">
+                <a:solidFill>
+                  <a:schemeClr val="tx2"/>
+                </a:solidFill>
+                <a:latin typeface="+mj-lt"/>
+                <a:ea typeface="+mj-ea"/>
+                <a:cs typeface="+mj-cs"/>
+              </a:defRPr>
+            </a:lvl1pPr>
+          </a:lstStyle>
+          <a:p>
+            <a:r>
+              <a:rPr lang="ru-RU" sz="4000" cap="none" dirty="0" smtClean="0"/>
+              <a:t>Данилов Роман</a:t>
+            </a:r>
+          </a:p>
+          <a:p>
+            <a:endParaRPr lang="ru-RU" sz="2000" cap="none" dirty="0"/>
+          </a:p>
+          <a:p>
+            <a:endParaRPr lang="ru-RU" sz="2000" cap="none" dirty="0" smtClean="0"/>
+          </a:p>
+          <a:p>
+            <a:r>
+              <a:rPr lang="en-US" sz="2000" cap="none" dirty="0">
+                <a:solidFill>
+                  <a:schemeClr val="tx1">
+                    <a:lumMod val="50000"/>
+                    <a:lumOff val="50000"/>
+                  </a:schemeClr>
+                </a:solidFill>
+              </a:rPr>
+              <a:t> </a:t>
+            </a:r>
+            <a:r>
+              <a:rPr lang="en-US" sz="2000" cap="none" dirty="0" smtClean="0">
+                <a:solidFill>
+                  <a:schemeClr val="tx1">
+                    <a:lumMod val="50000"/>
+                    <a:lumOff val="50000"/>
+                  </a:schemeClr>
+                </a:solidFill>
+              </a:rPr>
+              <a:t>       Python</a:t>
+            </a:r>
+            <a:r>
+              <a:rPr lang="ru-RU" sz="2000" cap="none" dirty="0" smtClean="0">
+                <a:solidFill>
+                  <a:schemeClr val="tx1">
+                    <a:lumMod val="50000"/>
+                    <a:lumOff val="50000"/>
+                  </a:schemeClr>
+                </a:solidFill>
+              </a:rPr>
+              <a:t>, </a:t>
+            </a:r>
+            <a:r>
+              <a:rPr lang="en-US" sz="2000" cap="none" dirty="0" smtClean="0">
+                <a:solidFill>
+                  <a:schemeClr val="tx1">
+                    <a:lumMod val="50000"/>
+                    <a:lumOff val="50000"/>
+                  </a:schemeClr>
+                </a:solidFill>
+              </a:rPr>
+              <a:t>Java </a:t>
+            </a:r>
+            <a:r>
+              <a:rPr lang="ru-RU" sz="2000" cap="none" dirty="0" smtClean="0">
+                <a:solidFill>
+                  <a:schemeClr val="tx1">
+                    <a:lumMod val="50000"/>
+                    <a:lumOff val="50000"/>
+                  </a:schemeClr>
+                </a:solidFill>
+              </a:rPr>
+              <a:t>разработчик</a:t>
+            </a:r>
+            <a:endParaRPr lang="en-US" sz="2000" cap="none" dirty="0" smtClean="0">
+              <a:solidFill>
+                <a:schemeClr val="tx1">
+                  <a:lumMod val="50000"/>
+                  <a:lumOff val="50000"/>
+                </a:schemeClr>
+              </a:solidFill>
+            </a:endParaRPr>
+          </a:p>
+          <a:p>
+            <a:endParaRPr lang="en-US" sz="2000" cap="none" dirty="0">
+              <a:solidFill>
+                <a:schemeClr val="tx1">
+                  <a:lumMod val="50000"/>
+                  <a:lumOff val="50000"/>
+                </a:schemeClr>
+              </a:solidFill>
+            </a:endParaRPr>
+          </a:p>
+          <a:p>
+            <a:endParaRPr lang="en-US" sz="2000" cap="none" dirty="0" smtClean="0">
+              <a:solidFill>
+                <a:schemeClr val="tx1">
+                  <a:lumMod val="50000"/>
+                  <a:lumOff val="50000"/>
+                </a:schemeClr>
+              </a:solidFill>
+            </a:endParaRPr>
+          </a:p>
+          <a:p>
+            <a:r>
+              <a:rPr lang="en-US" sz="2000" cap="none" dirty="0">
+                <a:solidFill>
+                  <a:schemeClr val="tx1">
+                    <a:lumMod val="50000"/>
+                    <a:lumOff val="50000"/>
+                  </a:schemeClr>
+                </a:solidFill>
+              </a:rPr>
+              <a:t> </a:t>
+            </a:r>
+            <a:r>
+              <a:rPr lang="en-US" sz="2000" cap="none" dirty="0" smtClean="0">
+                <a:solidFill>
+                  <a:schemeClr val="tx1">
+                    <a:lumMod val="50000"/>
+                    <a:lumOff val="50000"/>
+                  </a:schemeClr>
+                </a:solidFill>
+              </a:rPr>
+              <a:t>       romka.best2016@</a:t>
+            </a:r>
+            <a:r>
+              <a:rPr lang="en-US" sz="2000" cap="none" dirty="0" smtClean="0">
+                <a:solidFill>
+                  <a:srgbClr val="FFCC00"/>
+                </a:solidFill>
+              </a:rPr>
+              <a:t>yandex</a:t>
+            </a:r>
+            <a:r>
+              <a:rPr lang="en-US" sz="2000" cap="none" dirty="0" smtClean="0">
+                <a:solidFill>
+                  <a:schemeClr val="tx1">
+                    <a:lumMod val="50000"/>
+                    <a:lumOff val="50000"/>
+                  </a:schemeClr>
+                </a:solidFill>
+              </a:rPr>
+              <a:t>.ru</a:t>
+            </a:r>
+            <a:endParaRPr lang="en-US" sz="2000" cap="none" dirty="0">
+              <a:solidFill>
+                <a:schemeClr val="tx1">
+                  <a:lumMod val="50000"/>
+                  <a:lumOff val="50000"/>
+                </a:schemeClr>
+              </a:solidFill>
+            </a:endParaRPr>
+          </a:p>
+          <a:p>
+            <a:endParaRPr lang="en-US" sz="2000" cap="none" dirty="0" smtClean="0">
+              <a:solidFill>
+                <a:schemeClr val="tx1">
+                  <a:lumMod val="50000"/>
+                  <a:lumOff val="50000"/>
+                </a:schemeClr>
+              </a:solidFill>
+            </a:endParaRPr>
+          </a:p>
+          <a:p>
+            <a:endParaRPr lang="en-US" sz="2000" cap="none" dirty="0">
+              <a:solidFill>
+                <a:schemeClr val="tx1">
+                  <a:lumMod val="50000"/>
+                  <a:lumOff val="50000"/>
+                </a:schemeClr>
+              </a:solidFill>
+            </a:endParaRPr>
+          </a:p>
+          <a:p>
+            <a:r>
+              <a:rPr lang="en-US" sz="2000" cap="none" dirty="0">
+                <a:solidFill>
+                  <a:schemeClr val="tx1">
+                    <a:lumMod val="50000"/>
+                    <a:lumOff val="50000"/>
+                  </a:schemeClr>
+                </a:solidFill>
+              </a:rPr>
+              <a:t> </a:t>
+            </a:r>
+            <a:r>
+              <a:rPr lang="en-US" sz="2000" cap="none" dirty="0" smtClean="0">
+                <a:solidFill>
+                  <a:schemeClr val="tx1">
+                    <a:lumMod val="50000"/>
+                    <a:lumOff val="50000"/>
+                  </a:schemeClr>
+                </a:solidFill>
+              </a:rPr>
+              <a:t>       github.com/</a:t>
+            </a:r>
+            <a:r>
+              <a:rPr lang="en-US" sz="2000" cap="none" dirty="0" err="1" smtClean="0">
+                <a:solidFill>
+                  <a:schemeClr val="tx1">
+                    <a:lumMod val="50000"/>
+                    <a:lumOff val="50000"/>
+                  </a:schemeClr>
+                </a:solidFill>
+              </a:rPr>
+              <a:t>romka</a:t>
+            </a:r>
+            <a:r>
+              <a:rPr lang="en-US" sz="2000" cap="none" dirty="0" smtClean="0">
+                <a:solidFill>
+                  <a:schemeClr val="tx1">
+                    <a:lumMod val="50000"/>
+                    <a:lumOff val="50000"/>
+                  </a:schemeClr>
+                </a:solidFill>
+              </a:rPr>
+              <a:t>-best/</a:t>
+            </a:r>
+            <a:r>
+              <a:rPr lang="en-US" sz="2000" cap="none" dirty="0" err="1" smtClean="0">
+                <a:solidFill>
+                  <a:schemeClr val="tx1">
+                    <a:lumMod val="50000"/>
+                    <a:lumOff val="50000"/>
+                  </a:schemeClr>
+                </a:solidFill>
+              </a:rPr>
+              <a:t>QT_Project</a:t>
+            </a:r>
+            <a:endParaRPr lang="ru-RU" sz="2000" cap="none" dirty="0">
+              <a:solidFill>
+                <a:schemeClr val="tx1">
+                  <a:lumMod val="50000"/>
+                  <a:lumOff val="50000"/>
+                </a:schemeClr>
+              </a:solidFill>
+            </a:endParaRPr>
+          </a:p>
+        </p:txBody>
+      </p:sp>
+      <p:pic>
+        <p:nvPicPr>
+          <p:cNvPr id="6" name="Рисунок 5"/>
+          <p:cNvPicPr>
+            <a:picLocks noChangeAspect="1"/>
+          </p:cNvPicPr>
+          <p:nvPr/>
+        </p:nvPicPr>
+        <p:blipFill>
+          <a:blip r:embed="rId3">
+            <a:extLst>
+              <a:ext uri="{28A0092B-C50C-407E-A947-70E740481C1C}">
+                <a14:useLocalDpi xmlns:a14="http://schemas.microsoft.com/office/drawing/2010/main" val="0"/>
+              </a:ext>
+            </a:extLst>
+          </a:blip>
+          <a:stretch>
+            <a:fillRect/>
+          </a:stretch>
+        </p:blipFill>
+        <p:spPr>
+          <a:xfrm>
+            <a:off x="4284617" y="3662901"/>
+            <a:ext cx="523878" cy="523878"/>
+          </a:xfrm>
+          <a:prstGeom prst="rect">
+            <a:avLst/>
+          </a:prstGeom>
+        </p:spPr>
+      </p:pic>
+      <p:pic>
+        <p:nvPicPr>
+          <p:cNvPr id="7" name="Рисунок 6"/>
+          <p:cNvPicPr>
+            <a:picLocks noChangeAspect="1"/>
+          </p:cNvPicPr>
+          <p:nvPr/>
+        </p:nvPicPr>
+        <p:blipFill>
+          <a:blip r:embed="rId4">
+            <a:extLst>
+              <a:ext uri="{28A0092B-C50C-407E-A947-70E740481C1C}">
+                <a14:useLocalDpi xmlns:a14="http://schemas.microsoft.com/office/drawing/2010/main" val="0"/>
+              </a:ext>
+            </a:extLst>
+          </a:blip>
+          <a:stretch>
+            <a:fillRect/>
+          </a:stretch>
+        </p:blipFill>
+        <p:spPr>
+          <a:xfrm>
+            <a:off x="4284617" y="2832409"/>
+            <a:ext cx="523878" cy="523878"/>
+          </a:xfrm>
+          <a:prstGeom prst="rect">
+            <a:avLst/>
+          </a:prstGeom>
+        </p:spPr>
+      </p:pic>
+      <p:pic>
+        <p:nvPicPr>
+          <p:cNvPr id="8" name="Рисунок 7"/>
+          <p:cNvPicPr>
+            <a:picLocks noChangeAspect="1"/>
+          </p:cNvPicPr>
+          <p:nvPr/>
+        </p:nvPicPr>
+        <p:blipFill>
+          <a:blip r:embed="rId5">
+            <a:extLst>
+              <a:ext uri="{28A0092B-C50C-407E-A947-70E740481C1C}">
+                <a14:useLocalDpi xmlns:a14="http://schemas.microsoft.com/office/drawing/2010/main" val="0"/>
+              </a:ext>
+            </a:extLst>
+          </a:blip>
+          <a:stretch>
+            <a:fillRect/>
+          </a:stretch>
+        </p:blipFill>
+        <p:spPr>
+          <a:xfrm>
+            <a:off x="4284617" y="4493393"/>
+            <a:ext cx="523878" cy="523878"/>
+          </a:xfrm>
+          <a:prstGeom prst="rect">
+            <a:avLst/>
+          </a:prstGeom>
+        </p:spPr>
+      </p:pic>
+    </p:spTree>
+    <p:extLst>
+      <p:ext uri="{BB962C8B-B14F-4D97-AF65-F5344CB8AC3E}">
+        <p14:creationId xmlns:p14="http://schemas.microsoft.com/office/powerpoint/2010/main" val="1962038400"/>
+      </p:ext>
+    </p:extLst>
+  </p:cSld>
+  <p:clrMapOvr>
+    <a:masterClrMapping/>
+  </p:clrMapOvr>
 </p:sld>
 </file>
 
